--- a/ppt/js/Ionic.pptx
+++ b/ppt/js/Ionic.pptx
@@ -4182,7 +4182,7 @@
           <a:bodyPr/>
           <a:lstStyle/>
           <a:p>
-            <a:endParaRPr lang="zh-CN" altLang="en-US"/>
+            <a:endParaRPr lang="zh-CN" altLang="en-US" dirty="0"/>
           </a:p>
         </p:txBody>
       </p:sp>
